--- a/online success prediction [Autosaved].pptx
+++ b/online success prediction [Autosaved].pptx
@@ -3128,7 +3128,7 @@
             </a:br>
             <a:r>
               <a:rPr lang="en-GB" sz="2700" b="1" dirty="0"/>
-              <a:t>Course Success Prediction System</a:t>
+              <a:t>Online Success Prediction System</a:t>
             </a:r>
             <a:br>
               <a:rPr lang="en-GB" sz="2700" dirty="0"/>
@@ -3573,7 +3573,7 @@
               <a:tabLst/>
             </a:pPr>
             <a:r>
-              <a:rPr kumimoji="0" lang="en-US" altLang="en-US" sz="1800" b="0" i="0" u="none" strike="noStrike" cap="none" normalizeH="0" baseline="0">
+              <a:rPr kumimoji="0" lang="en-US" altLang="en-US" sz="1800" b="0" i="0" u="none" strike="noStrike" cap="none" normalizeH="0" baseline="0" dirty="0">
                 <a:ln>
                   <a:noFill/>
                 </a:ln>
@@ -3586,7 +3586,7 @@
               <a:t>To analyze course-related data using </a:t>
             </a:r>
             <a:r>
-              <a:rPr kumimoji="0" lang="en-US" altLang="en-US" sz="1800" b="1" i="0" u="none" strike="noStrike" cap="none" normalizeH="0" baseline="0">
+              <a:rPr kumimoji="0" lang="en-US" altLang="en-US" sz="1800" b="1" i="0" u="none" strike="noStrike" cap="none" normalizeH="0" baseline="0" dirty="0">
                 <a:ln>
                   <a:noFill/>
                 </a:ln>
@@ -3598,7 +3598,7 @@
               </a:rPr>
               <a:t>Exploratory Data Analysis (EDA)</a:t>
             </a:r>
-            <a:endParaRPr kumimoji="0" lang="en-US" altLang="en-US" sz="1800" b="0" i="0" u="none" strike="noStrike" cap="none" normalizeH="0" baseline="0">
+            <a:endParaRPr kumimoji="0" lang="en-US" altLang="en-US" sz="1800" b="0" i="0" u="none" strike="noStrike" cap="none" normalizeH="0" baseline="0" dirty="0">
               <a:ln>
                 <a:noFill/>
               </a:ln>
@@ -3627,7 +3627,7 @@
               <a:tabLst/>
             </a:pPr>
             <a:r>
-              <a:rPr kumimoji="0" lang="en-US" altLang="en-US" sz="1800" b="0" i="0" u="none" strike="noStrike" cap="none" normalizeH="0" baseline="0">
+              <a:rPr kumimoji="0" lang="en-US" altLang="en-US" sz="1800" b="0" i="0" u="none" strike="noStrike" cap="none" normalizeH="0" baseline="0" dirty="0">
                 <a:ln>
                   <a:noFill/>
                 </a:ln>
@@ -3640,7 +3640,7 @@
               <a:t>To build a </a:t>
             </a:r>
             <a:r>
-              <a:rPr kumimoji="0" lang="en-US" altLang="en-US" sz="1800" b="1" i="0" u="none" strike="noStrike" cap="none" normalizeH="0" baseline="0">
+              <a:rPr kumimoji="0" lang="en-US" altLang="en-US" sz="1800" b="1" i="0" u="none" strike="noStrike" cap="none" normalizeH="0" baseline="0" dirty="0">
                 <a:ln>
                   <a:noFill/>
                 </a:ln>
@@ -3653,7 +3653,7 @@
               <a:t>machine learning model</a:t>
             </a:r>
             <a:r>
-              <a:rPr kumimoji="0" lang="en-US" altLang="en-US" sz="1800" b="0" i="0" u="none" strike="noStrike" cap="none" normalizeH="0" baseline="0">
+              <a:rPr kumimoji="0" lang="en-US" altLang="en-US" sz="1800" b="0" i="0" u="none" strike="noStrike" cap="none" normalizeH="0" baseline="0" dirty="0">
                 <a:ln>
                   <a:noFill/>
                 </a:ln>
@@ -3666,7 +3666,7 @@
               <a:t> that predicts a </a:t>
             </a:r>
             <a:r>
-              <a:rPr kumimoji="0" lang="en-US" altLang="en-US" sz="1800" b="1" i="0" u="none" strike="noStrike" cap="none" normalizeH="0" baseline="0">
+              <a:rPr kumimoji="0" lang="en-US" altLang="en-US" sz="1800" b="1" i="0" u="none" strike="noStrike" cap="none" normalizeH="0" baseline="0" dirty="0">
                 <a:ln>
                   <a:noFill/>
                 </a:ln>
@@ -3676,9 +3676,9 @@
                 <a:effectLst/>
                 <a:latin typeface="Arial" panose="020B0604020202020204" pitchFamily="34" charset="0"/>
               </a:rPr>
-              <a:t>Course Success Score</a:t>
-            </a:r>
-            <a:endParaRPr kumimoji="0" lang="en-US" altLang="en-US" sz="1800" b="0" i="0" u="none" strike="noStrike" cap="none" normalizeH="0" baseline="0">
+              <a:t>Online Success Score</a:t>
+            </a:r>
+            <a:endParaRPr kumimoji="0" lang="en-US" altLang="en-US" sz="1800" b="0" i="0" u="none" strike="noStrike" cap="none" normalizeH="0" baseline="0" dirty="0">
               <a:ln>
                 <a:noFill/>
               </a:ln>
@@ -3707,7 +3707,7 @@
               <a:tabLst/>
             </a:pPr>
             <a:r>
-              <a:rPr kumimoji="0" lang="en-US" altLang="en-US" sz="1800" b="0" i="0" u="none" strike="noStrike" cap="none" normalizeH="0" baseline="0">
+              <a:rPr kumimoji="0" lang="en-US" altLang="en-US" sz="1800" b="0" i="0" u="none" strike="noStrike" cap="none" normalizeH="0" baseline="0" dirty="0">
                 <a:ln>
                   <a:noFill/>
                 </a:ln>
@@ -3720,7 +3720,7 @@
               <a:t>To deploy the trained model as a </a:t>
             </a:r>
             <a:r>
-              <a:rPr kumimoji="0" lang="en-US" altLang="en-US" sz="1800" b="1" i="0" u="none" strike="noStrike" cap="none" normalizeH="0" baseline="0">
+              <a:rPr kumimoji="0" lang="en-US" altLang="en-US" sz="1800" b="1" i="0" u="none" strike="noStrike" cap="none" normalizeH="0" baseline="0" dirty="0">
                 <a:ln>
                   <a:noFill/>
                 </a:ln>
@@ -3732,7 +3732,7 @@
               </a:rPr>
               <a:t>web application</a:t>
             </a:r>
-            <a:endParaRPr kumimoji="0" lang="en-US" altLang="en-US" sz="1800" b="0" i="0" u="none" strike="noStrike" cap="none" normalizeH="0" baseline="0">
+            <a:endParaRPr kumimoji="0" lang="en-US" altLang="en-US" sz="1800" b="0" i="0" u="none" strike="noStrike" cap="none" normalizeH="0" baseline="0" dirty="0">
               <a:ln>
                 <a:noFill/>
               </a:ln>
@@ -3761,7 +3761,7 @@
               <a:tabLst/>
             </a:pPr>
             <a:r>
-              <a:rPr kumimoji="0" lang="en-US" altLang="en-US" sz="1800" b="0" i="0" u="none" strike="noStrike" cap="none" normalizeH="0" baseline="0">
+              <a:rPr kumimoji="0" lang="en-US" altLang="en-US" sz="1800" b="0" i="0" u="none" strike="noStrike" cap="none" normalizeH="0" baseline="0" dirty="0">
                 <a:ln>
                   <a:noFill/>
                 </a:ln>
@@ -3774,7 +3774,7 @@
               <a:t>To provide </a:t>
             </a:r>
             <a:r>
-              <a:rPr kumimoji="0" lang="en-US" altLang="en-US" sz="1800" b="1" i="0" u="none" strike="noStrike" cap="none" normalizeH="0" baseline="0">
+              <a:rPr kumimoji="0" lang="en-US" altLang="en-US" sz="1800" b="1" i="0" u="none" strike="noStrike" cap="none" normalizeH="0" baseline="0" dirty="0">
                 <a:ln>
                   <a:noFill/>
                 </a:ln>
@@ -3787,7 +3787,7 @@
               <a:t>AI-based feedback</a:t>
             </a:r>
             <a:r>
-              <a:rPr kumimoji="0" lang="en-US" altLang="en-US" sz="1800" b="0" i="0" u="none" strike="noStrike" cap="none" normalizeH="0" baseline="0">
+              <a:rPr kumimoji="0" lang="en-US" altLang="en-US" sz="1800" b="0" i="0" u="none" strike="noStrike" cap="none" normalizeH="0" baseline="0" dirty="0">
                 <a:ln>
                   <a:noFill/>
                 </a:ln>
@@ -5131,6 +5131,36 @@
           </a:p>
         </p:txBody>
       </p:sp>
+      <p:pic>
+        <p:nvPicPr>
+          <p:cNvPr id="5" name="Picture 4">
+            <a:extLst>
+              <a:ext uri="{FF2B5EF4-FFF2-40B4-BE49-F238E27FC236}">
+                <a16:creationId xmlns:a16="http://schemas.microsoft.com/office/drawing/2014/main" id="{7B748133-F4B9-1ECF-8ACC-B22332871CBB}"/>
+              </a:ext>
+            </a:extLst>
+          </p:cNvPr>
+          <p:cNvPicPr>
+            <a:picLocks noChangeAspect="1"/>
+          </p:cNvPicPr>
+          <p:nvPr/>
+        </p:nvPicPr>
+        <p:blipFill>
+          <a:blip r:embed="rId2"/>
+          <a:stretch>
+            <a:fillRect/>
+          </a:stretch>
+        </p:blipFill>
+        <p:spPr>
+          <a:xfrm>
+            <a:off x="457200" y="3916363"/>
+            <a:ext cx="7440708" cy="1976438"/>
+          </a:xfrm>
+          <a:prstGeom prst="rect">
+            <a:avLst/>
+          </a:prstGeom>
+        </p:spPr>
+      </p:pic>
     </p:spTree>
   </p:cSld>
   <p:clrMapOvr>
